--- a/Leetcode/SB_Week01.pptx
+++ b/Leetcode/SB_Week01.pptx
@@ -7,6 +7,9 @@
   <p:sldIdLst>
     <p:sldId id="256" r:id="rId2"/>
     <p:sldId id="257" r:id="rId3"/>
+    <p:sldId id="258" r:id="rId4"/>
+    <p:sldId id="259" r:id="rId5"/>
+    <p:sldId id="260" r:id="rId6"/>
   </p:sldIdLst>
   <p:sldSz cx="12192000" cy="6858000"/>
   <p:notesSz cx="6858000" cy="9144000"/>
@@ -6547,7 +6550,7 @@
         <p:spPr>
           <a:xfrm>
             <a:off x="4605867" y="1275867"/>
-            <a:ext cx="7326489" cy="3506196"/>
+            <a:ext cx="7326489" cy="2751207"/>
           </a:xfrm>
           <a:prstGeom prst="rect">
             <a:avLst/>
@@ -7162,6 +7165,2447 @@
     <p:extLst>
       <p:ext uri="{BB962C8B-B14F-4D97-AF65-F5344CB8AC3E}">
         <p14:creationId xmlns:p14="http://schemas.microsoft.com/office/powerpoint/2010/main" val="2720685829"/>
+      </p:ext>
+    </p:extLst>
+  </p:cSld>
+  <p:clrMapOvr>
+    <a:masterClrMapping/>
+  </p:clrMapOvr>
+</p:sld>
+</file>
+
+<file path=ppt/slides/slide3.xml><?xml version="1.0" encoding="utf-8"?>
+<p:sld xmlns:a="http://schemas.openxmlformats.org/drawingml/2006/main" xmlns:r="http://schemas.openxmlformats.org/officeDocument/2006/relationships" xmlns:p="http://schemas.openxmlformats.org/presentationml/2006/main">
+  <p:cSld>
+    <p:spTree>
+      <p:nvGrpSpPr>
+        <p:cNvPr id="1" name=""/>
+        <p:cNvGrpSpPr/>
+        <p:nvPr/>
+      </p:nvGrpSpPr>
+      <p:grpSpPr>
+        <a:xfrm>
+          <a:off x="0" y="0"/>
+          <a:ext cx="0" cy="0"/>
+          <a:chOff x="0" y="0"/>
+          <a:chExt cx="0" cy="0"/>
+        </a:xfrm>
+      </p:grpSpPr>
+      <p:sp>
+        <p:nvSpPr>
+          <p:cNvPr id="4" name="Rectangle 3">
+            <a:extLst>
+              <a:ext uri="{FF2B5EF4-FFF2-40B4-BE49-F238E27FC236}">
+                <a16:creationId xmlns:a16="http://schemas.microsoft.com/office/drawing/2014/main" id="{C7CBFB8C-2487-5D9F-84D1-1A2B650A4148}"/>
+              </a:ext>
+            </a:extLst>
+          </p:cNvPr>
+          <p:cNvSpPr/>
+          <p:nvPr/>
+        </p:nvSpPr>
+        <p:spPr>
+          <a:xfrm>
+            <a:off x="479778" y="807378"/>
+            <a:ext cx="7326489" cy="2751207"/>
+          </a:xfrm>
+          <a:prstGeom prst="rect">
+            <a:avLst/>
+          </a:prstGeom>
+        </p:spPr>
+        <p:style>
+          <a:lnRef idx="2">
+            <a:schemeClr val="accent1">
+              <a:shade val="15000"/>
+            </a:schemeClr>
+          </a:lnRef>
+          <a:fillRef idx="1">
+            <a:schemeClr val="accent1"/>
+          </a:fillRef>
+          <a:effectRef idx="0">
+            <a:schemeClr val="accent1"/>
+          </a:effectRef>
+          <a:fontRef idx="minor">
+            <a:schemeClr val="lt1"/>
+          </a:fontRef>
+        </p:style>
+        <p:txBody>
+          <a:bodyPr rtlCol="0" anchor="t"/>
+          <a:lstStyle/>
+          <a:p>
+            <a:r>
+              <a:rPr lang="en-US" altLang="zh-CN" b="1" dirty="0"/>
+              <a:t>Two</a:t>
+            </a:r>
+            <a:r>
+              <a:rPr lang="zh-CN" altLang="en-US" b="1" dirty="0"/>
+              <a:t> </a:t>
+            </a:r>
+            <a:r>
+              <a:rPr lang="en-US" altLang="zh-CN" b="1" dirty="0"/>
+              <a:t>sum</a:t>
+            </a:r>
+            <a:r>
+              <a:rPr lang="zh-CN" altLang="en-US" b="1" dirty="0"/>
+              <a:t> </a:t>
+            </a:r>
+            <a:r>
+              <a:rPr lang="en-US" altLang="zh-CN" b="1" dirty="0"/>
+              <a:t>or</a:t>
+            </a:r>
+            <a:r>
+              <a:rPr lang="zh-CN" altLang="en-US" b="1" dirty="0"/>
+              <a:t> </a:t>
+            </a:r>
+            <a:r>
+              <a:rPr lang="en-US" altLang="zh-CN" b="1" dirty="0"/>
+              <a:t>Three</a:t>
+            </a:r>
+            <a:r>
+              <a:rPr lang="zh-CN" altLang="en-US" b="1" dirty="0"/>
+              <a:t> </a:t>
+            </a:r>
+            <a:r>
+              <a:rPr lang="en-US" altLang="zh-CN" b="1" dirty="0"/>
+              <a:t>sum</a:t>
+            </a:r>
+            <a:r>
+              <a:rPr lang="zh-CN" altLang="en-US" b="1" dirty="0"/>
+              <a:t> </a:t>
+            </a:r>
+            <a:r>
+              <a:rPr lang="en-US" altLang="zh-CN" b="1" dirty="0"/>
+              <a:t>firstly</a:t>
+            </a:r>
+            <a:r>
+              <a:rPr lang="zh-CN" altLang="en-US" b="1" dirty="0"/>
+              <a:t> </a:t>
+            </a:r>
+            <a:r>
+              <a:rPr lang="en-US" altLang="zh-CN" b="1" dirty="0"/>
+              <a:t>should</a:t>
+            </a:r>
+            <a:r>
+              <a:rPr lang="zh-CN" altLang="en-US" b="1" dirty="0"/>
+              <a:t> </a:t>
+            </a:r>
+            <a:r>
+              <a:rPr lang="en-US" altLang="zh-CN" b="1" dirty="0"/>
+              <a:t>sort</a:t>
+            </a:r>
+            <a:r>
+              <a:rPr lang="zh-CN" altLang="en-US" b="1" dirty="0"/>
+              <a:t> </a:t>
+            </a:r>
+            <a:r>
+              <a:rPr lang="en-US" altLang="zh-CN" b="1" dirty="0"/>
+              <a:t>and</a:t>
+            </a:r>
+            <a:r>
+              <a:rPr lang="zh-CN" altLang="en-US" b="1" dirty="0"/>
+              <a:t> </a:t>
+            </a:r>
+            <a:r>
+              <a:rPr lang="en-US" altLang="zh-CN" b="1" dirty="0"/>
+              <a:t>double</a:t>
+            </a:r>
+            <a:r>
+              <a:rPr lang="zh-CN" altLang="en-US" b="1" dirty="0"/>
+              <a:t> </a:t>
+            </a:r>
+            <a:r>
+              <a:rPr lang="en-US" altLang="zh-CN" b="1" dirty="0"/>
+              <a:t>points.</a:t>
+            </a:r>
+          </a:p>
+        </p:txBody>
+      </p:sp>
+    </p:spTree>
+    <p:extLst>
+      <p:ext uri="{BB962C8B-B14F-4D97-AF65-F5344CB8AC3E}">
+        <p14:creationId xmlns:p14="http://schemas.microsoft.com/office/powerpoint/2010/main" val="2062242638"/>
+      </p:ext>
+    </p:extLst>
+  </p:cSld>
+  <p:clrMapOvr>
+    <a:masterClrMapping/>
+  </p:clrMapOvr>
+</p:sld>
+</file>
+
+<file path=ppt/slides/slide4.xml><?xml version="1.0" encoding="utf-8"?>
+<p:sld xmlns:a="http://schemas.openxmlformats.org/drawingml/2006/main" xmlns:r="http://schemas.openxmlformats.org/officeDocument/2006/relationships" xmlns:p="http://schemas.openxmlformats.org/presentationml/2006/main">
+  <p:cSld>
+    <p:spTree>
+      <p:nvGrpSpPr>
+        <p:cNvPr id="1" name=""/>
+        <p:cNvGrpSpPr/>
+        <p:nvPr/>
+      </p:nvGrpSpPr>
+      <p:grpSpPr>
+        <a:xfrm>
+          <a:off x="0" y="0"/>
+          <a:ext cx="0" cy="0"/>
+          <a:chOff x="0" y="0"/>
+          <a:chExt cx="0" cy="0"/>
+        </a:xfrm>
+      </p:grpSpPr>
+      <p:pic>
+        <p:nvPicPr>
+          <p:cNvPr id="4" name="Picture 3">
+            <a:extLst>
+              <a:ext uri="{FF2B5EF4-FFF2-40B4-BE49-F238E27FC236}">
+                <a16:creationId xmlns:a16="http://schemas.microsoft.com/office/drawing/2014/main" id="{F3435348-F3DB-D729-001B-1D50816F5D7E}"/>
+              </a:ext>
+            </a:extLst>
+          </p:cNvPr>
+          <p:cNvPicPr>
+            <a:picLocks noChangeAspect="1"/>
+          </p:cNvPicPr>
+          <p:nvPr/>
+        </p:nvPicPr>
+        <p:blipFill>
+          <a:blip r:embed="rId2"/>
+          <a:stretch>
+            <a:fillRect/>
+          </a:stretch>
+        </p:blipFill>
+        <p:spPr>
+          <a:xfrm>
+            <a:off x="0" y="0"/>
+            <a:ext cx="3993110" cy="4284133"/>
+          </a:xfrm>
+          <a:prstGeom prst="rect">
+            <a:avLst/>
+          </a:prstGeom>
+        </p:spPr>
+      </p:pic>
+      <p:sp>
+        <p:nvSpPr>
+          <p:cNvPr id="6" name="TextBox 5">
+            <a:extLst>
+              <a:ext uri="{FF2B5EF4-FFF2-40B4-BE49-F238E27FC236}">
+                <a16:creationId xmlns:a16="http://schemas.microsoft.com/office/drawing/2014/main" id="{9FE80D15-DC78-9C5D-B4D3-142772A7E34D}"/>
+              </a:ext>
+            </a:extLst>
+          </p:cNvPr>
+          <p:cNvSpPr txBox="1"/>
+          <p:nvPr/>
+        </p:nvSpPr>
+        <p:spPr>
+          <a:xfrm>
+            <a:off x="0" y="4284133"/>
+            <a:ext cx="3239911" cy="2585323"/>
+          </a:xfrm>
+          <a:prstGeom prst="rect">
+            <a:avLst/>
+          </a:prstGeom>
+          <a:noFill/>
+        </p:spPr>
+        <p:txBody>
+          <a:bodyPr wrap="square">
+            <a:spAutoFit/>
+          </a:bodyPr>
+          <a:lstStyle/>
+          <a:p>
+            <a:r>
+              <a:rPr lang="en-US" sz="900" b="0" dirty="0">
+                <a:solidFill>
+                  <a:srgbClr val="0000FF"/>
+                </a:solidFill>
+                <a:effectLst/>
+                <a:latin typeface="Menlo" panose="020B0609030804020204" pitchFamily="49" charset="0"/>
+              </a:rPr>
+              <a:t>class</a:t>
+            </a:r>
+            <a:r>
+              <a:rPr lang="en-US" sz="900" b="0" dirty="0">
+                <a:solidFill>
+                  <a:srgbClr val="000000"/>
+                </a:solidFill>
+                <a:effectLst/>
+                <a:latin typeface="Menlo" panose="020B0609030804020204" pitchFamily="49" charset="0"/>
+              </a:rPr>
+              <a:t> </a:t>
+            </a:r>
+            <a:r>
+              <a:rPr lang="en-US" sz="900" b="0" dirty="0">
+                <a:solidFill>
+                  <a:srgbClr val="267F99"/>
+                </a:solidFill>
+                <a:effectLst/>
+                <a:latin typeface="Menlo" panose="020B0609030804020204" pitchFamily="49" charset="0"/>
+              </a:rPr>
+              <a:t>Solution</a:t>
+            </a:r>
+            <a:r>
+              <a:rPr lang="en-US" sz="900" b="0" dirty="0">
+                <a:solidFill>
+                  <a:srgbClr val="000000"/>
+                </a:solidFill>
+                <a:effectLst/>
+                <a:latin typeface="Menlo" panose="020B0609030804020204" pitchFamily="49" charset="0"/>
+              </a:rPr>
+              <a:t>(</a:t>
+            </a:r>
+            <a:r>
+              <a:rPr lang="en-US" sz="900" b="0" dirty="0">
+                <a:solidFill>
+                  <a:srgbClr val="267F99"/>
+                </a:solidFill>
+                <a:effectLst/>
+                <a:latin typeface="Menlo" panose="020B0609030804020204" pitchFamily="49" charset="0"/>
+              </a:rPr>
+              <a:t>object</a:t>
+            </a:r>
+            <a:r>
+              <a:rPr lang="en-US" sz="900" b="0" dirty="0">
+                <a:solidFill>
+                  <a:srgbClr val="000000"/>
+                </a:solidFill>
+                <a:effectLst/>
+                <a:latin typeface="Menlo" panose="020B0609030804020204" pitchFamily="49" charset="0"/>
+              </a:rPr>
+              <a:t>):</a:t>
+            </a:r>
+          </a:p>
+          <a:p>
+            <a:r>
+              <a:rPr lang="en-US" sz="900" b="0" dirty="0">
+                <a:solidFill>
+                  <a:srgbClr val="0000FF"/>
+                </a:solidFill>
+                <a:effectLst/>
+                <a:latin typeface="Menlo" panose="020B0609030804020204" pitchFamily="49" charset="0"/>
+              </a:rPr>
+              <a:t>def</a:t>
+            </a:r>
+            <a:r>
+              <a:rPr lang="en-US" sz="900" b="0" dirty="0">
+                <a:solidFill>
+                  <a:srgbClr val="000000"/>
+                </a:solidFill>
+                <a:effectLst/>
+                <a:latin typeface="Menlo" panose="020B0609030804020204" pitchFamily="49" charset="0"/>
+              </a:rPr>
+              <a:t> </a:t>
+            </a:r>
+            <a:r>
+              <a:rPr lang="en-US" sz="900" b="0" dirty="0" err="1">
+                <a:solidFill>
+                  <a:srgbClr val="795E26"/>
+                </a:solidFill>
+                <a:effectLst/>
+                <a:latin typeface="Menlo" panose="020B0609030804020204" pitchFamily="49" charset="0"/>
+              </a:rPr>
+              <a:t>maxArea</a:t>
+            </a:r>
+            <a:r>
+              <a:rPr lang="en-US" sz="900" b="0" dirty="0">
+                <a:solidFill>
+                  <a:srgbClr val="000000"/>
+                </a:solidFill>
+                <a:effectLst/>
+                <a:latin typeface="Menlo" panose="020B0609030804020204" pitchFamily="49" charset="0"/>
+              </a:rPr>
+              <a:t>(</a:t>
+            </a:r>
+            <a:r>
+              <a:rPr lang="en-US" sz="900" b="0" dirty="0">
+                <a:solidFill>
+                  <a:srgbClr val="001080"/>
+                </a:solidFill>
+                <a:effectLst/>
+                <a:latin typeface="Menlo" panose="020B0609030804020204" pitchFamily="49" charset="0"/>
+              </a:rPr>
+              <a:t>self</a:t>
+            </a:r>
+            <a:r>
+              <a:rPr lang="en-US" sz="900" b="0" dirty="0">
+                <a:solidFill>
+                  <a:srgbClr val="000000"/>
+                </a:solidFill>
+                <a:effectLst/>
+                <a:latin typeface="Menlo" panose="020B0609030804020204" pitchFamily="49" charset="0"/>
+              </a:rPr>
+              <a:t>, </a:t>
+            </a:r>
+            <a:r>
+              <a:rPr lang="en-US" sz="900" b="0" dirty="0">
+                <a:solidFill>
+                  <a:srgbClr val="001080"/>
+                </a:solidFill>
+                <a:effectLst/>
+                <a:latin typeface="Menlo" panose="020B0609030804020204" pitchFamily="49" charset="0"/>
+              </a:rPr>
+              <a:t>height</a:t>
+            </a:r>
+            <a:r>
+              <a:rPr lang="en-US" sz="900" b="0" dirty="0">
+                <a:solidFill>
+                  <a:srgbClr val="000000"/>
+                </a:solidFill>
+                <a:effectLst/>
+                <a:latin typeface="Menlo" panose="020B0609030804020204" pitchFamily="49" charset="0"/>
+              </a:rPr>
+              <a:t>):</a:t>
+            </a:r>
+          </a:p>
+          <a:p>
+            <a:r>
+              <a:rPr lang="en-US" sz="900" b="0" dirty="0">
+                <a:solidFill>
+                  <a:srgbClr val="A31515"/>
+                </a:solidFill>
+                <a:effectLst/>
+                <a:latin typeface="Menlo" panose="020B0609030804020204" pitchFamily="49" charset="0"/>
+              </a:rPr>
+              <a:t>"""</a:t>
+            </a:r>
+            <a:endParaRPr lang="en-US" sz="900" b="0" dirty="0">
+              <a:solidFill>
+                <a:srgbClr val="000000"/>
+              </a:solidFill>
+              <a:effectLst/>
+              <a:latin typeface="Menlo" panose="020B0609030804020204" pitchFamily="49" charset="0"/>
+            </a:endParaRPr>
+          </a:p>
+          <a:p>
+            <a:r>
+              <a:rPr lang="en-US" sz="900" b="0" dirty="0">
+                <a:solidFill>
+                  <a:srgbClr val="A31515"/>
+                </a:solidFill>
+                <a:effectLst/>
+                <a:latin typeface="Menlo" panose="020B0609030804020204" pitchFamily="49" charset="0"/>
+              </a:rPr>
+              <a:t>:type height: List[int]</a:t>
+            </a:r>
+            <a:endParaRPr lang="en-US" sz="900" b="0" dirty="0">
+              <a:solidFill>
+                <a:srgbClr val="000000"/>
+              </a:solidFill>
+              <a:effectLst/>
+              <a:latin typeface="Menlo" panose="020B0609030804020204" pitchFamily="49" charset="0"/>
+            </a:endParaRPr>
+          </a:p>
+          <a:p>
+            <a:r>
+              <a:rPr lang="en-US" sz="900" b="0" dirty="0">
+                <a:solidFill>
+                  <a:srgbClr val="A31515"/>
+                </a:solidFill>
+                <a:effectLst/>
+                <a:latin typeface="Menlo" panose="020B0609030804020204" pitchFamily="49" charset="0"/>
+              </a:rPr>
+              <a:t>:</a:t>
+            </a:r>
+            <a:r>
+              <a:rPr lang="en-US" sz="900" b="0" dirty="0" err="1">
+                <a:solidFill>
+                  <a:srgbClr val="A31515"/>
+                </a:solidFill>
+                <a:effectLst/>
+                <a:latin typeface="Menlo" panose="020B0609030804020204" pitchFamily="49" charset="0"/>
+              </a:rPr>
+              <a:t>rtype</a:t>
+            </a:r>
+            <a:r>
+              <a:rPr lang="en-US" sz="900" b="0" dirty="0">
+                <a:solidFill>
+                  <a:srgbClr val="A31515"/>
+                </a:solidFill>
+                <a:effectLst/>
+                <a:latin typeface="Menlo" panose="020B0609030804020204" pitchFamily="49" charset="0"/>
+              </a:rPr>
+              <a:t>: int</a:t>
+            </a:r>
+            <a:endParaRPr lang="en-US" sz="900" b="0" dirty="0">
+              <a:solidFill>
+                <a:srgbClr val="000000"/>
+              </a:solidFill>
+              <a:effectLst/>
+              <a:latin typeface="Menlo" panose="020B0609030804020204" pitchFamily="49" charset="0"/>
+            </a:endParaRPr>
+          </a:p>
+          <a:p>
+            <a:r>
+              <a:rPr lang="en-US" sz="900" b="0" dirty="0">
+                <a:solidFill>
+                  <a:srgbClr val="A31515"/>
+                </a:solidFill>
+                <a:effectLst/>
+                <a:latin typeface="Menlo" panose="020B0609030804020204" pitchFamily="49" charset="0"/>
+              </a:rPr>
+              <a:t>"""</a:t>
+            </a:r>
+            <a:endParaRPr lang="en-US" sz="900" b="0" dirty="0">
+              <a:solidFill>
+                <a:srgbClr val="000000"/>
+              </a:solidFill>
+              <a:effectLst/>
+              <a:latin typeface="Menlo" panose="020B0609030804020204" pitchFamily="49" charset="0"/>
+            </a:endParaRPr>
+          </a:p>
+          <a:p>
+            <a:r>
+              <a:rPr lang="en-US" sz="900" b="0" dirty="0">
+                <a:solidFill>
+                  <a:srgbClr val="000000"/>
+                </a:solidFill>
+                <a:effectLst/>
+                <a:latin typeface="Menlo" panose="020B0609030804020204" pitchFamily="49" charset="0"/>
+              </a:rPr>
+              <a:t>n = </a:t>
+            </a:r>
+            <a:r>
+              <a:rPr lang="en-US" sz="900" b="0" dirty="0" err="1">
+                <a:solidFill>
+                  <a:srgbClr val="795E26"/>
+                </a:solidFill>
+                <a:effectLst/>
+                <a:latin typeface="Menlo" panose="020B0609030804020204" pitchFamily="49" charset="0"/>
+              </a:rPr>
+              <a:t>len</a:t>
+            </a:r>
+            <a:r>
+              <a:rPr lang="en-US" sz="900" b="0" dirty="0">
+                <a:solidFill>
+                  <a:srgbClr val="000000"/>
+                </a:solidFill>
+                <a:effectLst/>
+                <a:latin typeface="Menlo" panose="020B0609030804020204" pitchFamily="49" charset="0"/>
+              </a:rPr>
+              <a:t>(height)</a:t>
+            </a:r>
+          </a:p>
+          <a:p>
+            <a:r>
+              <a:rPr lang="en-US" sz="900" b="0" dirty="0">
+                <a:solidFill>
+                  <a:srgbClr val="000000"/>
+                </a:solidFill>
+                <a:effectLst/>
+                <a:latin typeface="Menlo" panose="020B0609030804020204" pitchFamily="49" charset="0"/>
+              </a:rPr>
+              <a:t>left = </a:t>
+            </a:r>
+            <a:r>
+              <a:rPr lang="en-US" sz="900" b="0" dirty="0">
+                <a:solidFill>
+                  <a:srgbClr val="098658"/>
+                </a:solidFill>
+                <a:effectLst/>
+                <a:latin typeface="Menlo" panose="020B0609030804020204" pitchFamily="49" charset="0"/>
+              </a:rPr>
+              <a:t>0</a:t>
+            </a:r>
+            <a:endParaRPr lang="en-US" sz="900" b="0" dirty="0">
+              <a:solidFill>
+                <a:srgbClr val="000000"/>
+              </a:solidFill>
+              <a:effectLst/>
+              <a:latin typeface="Menlo" panose="020B0609030804020204" pitchFamily="49" charset="0"/>
+            </a:endParaRPr>
+          </a:p>
+          <a:p>
+            <a:r>
+              <a:rPr lang="en-US" sz="900" b="0" dirty="0">
+                <a:solidFill>
+                  <a:srgbClr val="000000"/>
+                </a:solidFill>
+                <a:effectLst/>
+                <a:latin typeface="Menlo" panose="020B0609030804020204" pitchFamily="49" charset="0"/>
+              </a:rPr>
+              <a:t>right = n - </a:t>
+            </a:r>
+            <a:r>
+              <a:rPr lang="en-US" sz="900" b="0" dirty="0">
+                <a:solidFill>
+                  <a:srgbClr val="098658"/>
+                </a:solidFill>
+                <a:effectLst/>
+                <a:latin typeface="Menlo" panose="020B0609030804020204" pitchFamily="49" charset="0"/>
+              </a:rPr>
+              <a:t>1</a:t>
+            </a:r>
+            <a:endParaRPr lang="en-US" sz="900" b="0" dirty="0">
+              <a:solidFill>
+                <a:srgbClr val="000000"/>
+              </a:solidFill>
+              <a:effectLst/>
+              <a:latin typeface="Menlo" panose="020B0609030804020204" pitchFamily="49" charset="0"/>
+            </a:endParaRPr>
+          </a:p>
+          <a:p>
+            <a:r>
+              <a:rPr lang="en-US" sz="900" b="0" dirty="0" err="1">
+                <a:solidFill>
+                  <a:srgbClr val="000000"/>
+                </a:solidFill>
+                <a:effectLst/>
+                <a:latin typeface="Menlo" panose="020B0609030804020204" pitchFamily="49" charset="0"/>
+              </a:rPr>
+              <a:t>ans</a:t>
+            </a:r>
+            <a:r>
+              <a:rPr lang="en-US" sz="900" b="0" dirty="0">
+                <a:solidFill>
+                  <a:srgbClr val="000000"/>
+                </a:solidFill>
+                <a:effectLst/>
+                <a:latin typeface="Menlo" panose="020B0609030804020204" pitchFamily="49" charset="0"/>
+              </a:rPr>
+              <a:t> = </a:t>
+            </a:r>
+            <a:r>
+              <a:rPr lang="en-US" sz="900" b="0" dirty="0">
+                <a:solidFill>
+                  <a:srgbClr val="098658"/>
+                </a:solidFill>
+                <a:effectLst/>
+                <a:latin typeface="Menlo" panose="020B0609030804020204" pitchFamily="49" charset="0"/>
+              </a:rPr>
+              <a:t>0</a:t>
+            </a:r>
+            <a:endParaRPr lang="en-US" sz="900" b="0" dirty="0">
+              <a:solidFill>
+                <a:srgbClr val="000000"/>
+              </a:solidFill>
+              <a:effectLst/>
+              <a:latin typeface="Menlo" panose="020B0609030804020204" pitchFamily="49" charset="0"/>
+            </a:endParaRPr>
+          </a:p>
+          <a:p>
+            <a:r>
+              <a:rPr lang="en-US" sz="900" b="0" dirty="0">
+                <a:solidFill>
+                  <a:srgbClr val="AF00DB"/>
+                </a:solidFill>
+                <a:effectLst/>
+                <a:latin typeface="Menlo" panose="020B0609030804020204" pitchFamily="49" charset="0"/>
+              </a:rPr>
+              <a:t>while</a:t>
+            </a:r>
+            <a:r>
+              <a:rPr lang="en-US" sz="900" b="0" dirty="0">
+                <a:solidFill>
+                  <a:srgbClr val="000000"/>
+                </a:solidFill>
+                <a:effectLst/>
+                <a:latin typeface="Menlo" panose="020B0609030804020204" pitchFamily="49" charset="0"/>
+              </a:rPr>
+              <a:t> left &lt; right:</a:t>
+            </a:r>
+          </a:p>
+          <a:p>
+            <a:r>
+              <a:rPr lang="en-US" sz="900" b="0" dirty="0">
+                <a:solidFill>
+                  <a:srgbClr val="000000"/>
+                </a:solidFill>
+                <a:effectLst/>
+                <a:latin typeface="Menlo" panose="020B0609030804020204" pitchFamily="49" charset="0"/>
+              </a:rPr>
+              <a:t>h = </a:t>
+            </a:r>
+            <a:r>
+              <a:rPr lang="en-US" sz="900" b="0" dirty="0">
+                <a:solidFill>
+                  <a:srgbClr val="795E26"/>
+                </a:solidFill>
+                <a:effectLst/>
+                <a:latin typeface="Menlo" panose="020B0609030804020204" pitchFamily="49" charset="0"/>
+              </a:rPr>
+              <a:t>min</a:t>
+            </a:r>
+            <a:r>
+              <a:rPr lang="en-US" sz="900" b="0" dirty="0">
+                <a:solidFill>
+                  <a:srgbClr val="000000"/>
+                </a:solidFill>
+                <a:effectLst/>
+                <a:latin typeface="Menlo" panose="020B0609030804020204" pitchFamily="49" charset="0"/>
+              </a:rPr>
+              <a:t>(height[left], height[right])</a:t>
+            </a:r>
+          </a:p>
+          <a:p>
+            <a:r>
+              <a:rPr lang="en-US" sz="900" b="0" dirty="0" err="1">
+                <a:solidFill>
+                  <a:srgbClr val="000000"/>
+                </a:solidFill>
+                <a:effectLst/>
+                <a:latin typeface="Menlo" panose="020B0609030804020204" pitchFamily="49" charset="0"/>
+              </a:rPr>
+              <a:t>ans</a:t>
+            </a:r>
+            <a:r>
+              <a:rPr lang="en-US" sz="900" b="0" dirty="0">
+                <a:solidFill>
+                  <a:srgbClr val="000000"/>
+                </a:solidFill>
+                <a:effectLst/>
+                <a:latin typeface="Menlo" panose="020B0609030804020204" pitchFamily="49" charset="0"/>
+              </a:rPr>
+              <a:t> = </a:t>
+            </a:r>
+            <a:r>
+              <a:rPr lang="en-US" sz="900" b="0" dirty="0">
+                <a:solidFill>
+                  <a:srgbClr val="795E26"/>
+                </a:solidFill>
+                <a:effectLst/>
+                <a:latin typeface="Menlo" panose="020B0609030804020204" pitchFamily="49" charset="0"/>
+              </a:rPr>
+              <a:t>max</a:t>
+            </a:r>
+            <a:r>
+              <a:rPr lang="en-US" sz="900" b="0" dirty="0">
+                <a:solidFill>
+                  <a:srgbClr val="000000"/>
+                </a:solidFill>
+                <a:effectLst/>
+                <a:latin typeface="Menlo" panose="020B0609030804020204" pitchFamily="49" charset="0"/>
+              </a:rPr>
+              <a:t>(</a:t>
+            </a:r>
+            <a:r>
+              <a:rPr lang="en-US" sz="900" b="0" dirty="0" err="1">
+                <a:solidFill>
+                  <a:srgbClr val="000000"/>
+                </a:solidFill>
+                <a:effectLst/>
+                <a:latin typeface="Menlo" panose="020B0609030804020204" pitchFamily="49" charset="0"/>
+              </a:rPr>
+              <a:t>ans</a:t>
+            </a:r>
+            <a:r>
+              <a:rPr lang="en-US" sz="900" b="0" dirty="0">
+                <a:solidFill>
+                  <a:srgbClr val="000000"/>
+                </a:solidFill>
+                <a:effectLst/>
+                <a:latin typeface="Menlo" panose="020B0609030804020204" pitchFamily="49" charset="0"/>
+              </a:rPr>
+              <a:t>, h * (right - left))</a:t>
+            </a:r>
+          </a:p>
+          <a:p>
+            <a:r>
+              <a:rPr lang="en-US" sz="900" b="0" dirty="0">
+                <a:solidFill>
+                  <a:srgbClr val="AF00DB"/>
+                </a:solidFill>
+                <a:effectLst/>
+                <a:latin typeface="Menlo" panose="020B0609030804020204" pitchFamily="49" charset="0"/>
+              </a:rPr>
+              <a:t>if</a:t>
+            </a:r>
+            <a:r>
+              <a:rPr lang="en-US" sz="900" b="0" dirty="0">
+                <a:solidFill>
+                  <a:srgbClr val="000000"/>
+                </a:solidFill>
+                <a:effectLst/>
+                <a:latin typeface="Menlo" panose="020B0609030804020204" pitchFamily="49" charset="0"/>
+              </a:rPr>
+              <a:t> height[left] &lt; height[right]:</a:t>
+            </a:r>
+          </a:p>
+          <a:p>
+            <a:r>
+              <a:rPr lang="en-US" sz="900" b="0" dirty="0">
+                <a:solidFill>
+                  <a:srgbClr val="000000"/>
+                </a:solidFill>
+                <a:effectLst/>
+                <a:latin typeface="Menlo" panose="020B0609030804020204" pitchFamily="49" charset="0"/>
+              </a:rPr>
+              <a:t>left += </a:t>
+            </a:r>
+            <a:r>
+              <a:rPr lang="en-US" sz="900" b="0" dirty="0">
+                <a:solidFill>
+                  <a:srgbClr val="098658"/>
+                </a:solidFill>
+                <a:effectLst/>
+                <a:latin typeface="Menlo" panose="020B0609030804020204" pitchFamily="49" charset="0"/>
+              </a:rPr>
+              <a:t>1</a:t>
+            </a:r>
+            <a:endParaRPr lang="en-US" sz="900" b="0" dirty="0">
+              <a:solidFill>
+                <a:srgbClr val="000000"/>
+              </a:solidFill>
+              <a:effectLst/>
+              <a:latin typeface="Menlo" panose="020B0609030804020204" pitchFamily="49" charset="0"/>
+            </a:endParaRPr>
+          </a:p>
+          <a:p>
+            <a:r>
+              <a:rPr lang="en-US" sz="900" b="0" dirty="0">
+                <a:solidFill>
+                  <a:srgbClr val="AF00DB"/>
+                </a:solidFill>
+                <a:effectLst/>
+                <a:latin typeface="Menlo" panose="020B0609030804020204" pitchFamily="49" charset="0"/>
+              </a:rPr>
+              <a:t>else</a:t>
+            </a:r>
+            <a:r>
+              <a:rPr lang="en-US" sz="900" b="0" dirty="0">
+                <a:solidFill>
+                  <a:srgbClr val="000000"/>
+                </a:solidFill>
+                <a:effectLst/>
+                <a:latin typeface="Menlo" panose="020B0609030804020204" pitchFamily="49" charset="0"/>
+              </a:rPr>
+              <a:t>:</a:t>
+            </a:r>
+          </a:p>
+          <a:p>
+            <a:r>
+              <a:rPr lang="en-US" sz="900" b="0" dirty="0">
+                <a:solidFill>
+                  <a:srgbClr val="000000"/>
+                </a:solidFill>
+                <a:effectLst/>
+                <a:latin typeface="Menlo" panose="020B0609030804020204" pitchFamily="49" charset="0"/>
+              </a:rPr>
+              <a:t>right -= </a:t>
+            </a:r>
+            <a:r>
+              <a:rPr lang="en-US" sz="900" b="0" dirty="0">
+                <a:solidFill>
+                  <a:srgbClr val="098658"/>
+                </a:solidFill>
+                <a:effectLst/>
+                <a:latin typeface="Menlo" panose="020B0609030804020204" pitchFamily="49" charset="0"/>
+              </a:rPr>
+              <a:t>1</a:t>
+            </a:r>
+            <a:endParaRPr lang="en-US" sz="900" b="0" dirty="0">
+              <a:solidFill>
+                <a:srgbClr val="000000"/>
+              </a:solidFill>
+              <a:effectLst/>
+              <a:latin typeface="Menlo" panose="020B0609030804020204" pitchFamily="49" charset="0"/>
+            </a:endParaRPr>
+          </a:p>
+          <a:p>
+            <a:r>
+              <a:rPr lang="en-US" sz="900" b="0" dirty="0">
+                <a:solidFill>
+                  <a:srgbClr val="AF00DB"/>
+                </a:solidFill>
+                <a:effectLst/>
+                <a:latin typeface="Menlo" panose="020B0609030804020204" pitchFamily="49" charset="0"/>
+              </a:rPr>
+              <a:t>return</a:t>
+            </a:r>
+            <a:r>
+              <a:rPr lang="en-US" sz="900" b="0" dirty="0">
+                <a:solidFill>
+                  <a:srgbClr val="000000"/>
+                </a:solidFill>
+                <a:effectLst/>
+                <a:latin typeface="Menlo" panose="020B0609030804020204" pitchFamily="49" charset="0"/>
+              </a:rPr>
+              <a:t> </a:t>
+            </a:r>
+            <a:r>
+              <a:rPr lang="en-US" sz="900" b="0" dirty="0" err="1">
+                <a:solidFill>
+                  <a:srgbClr val="000000"/>
+                </a:solidFill>
+                <a:effectLst/>
+                <a:latin typeface="Menlo" panose="020B0609030804020204" pitchFamily="49" charset="0"/>
+              </a:rPr>
+              <a:t>ans</a:t>
+            </a:r>
+            <a:endParaRPr lang="en-US" sz="900" b="0" dirty="0">
+              <a:solidFill>
+                <a:srgbClr val="000000"/>
+              </a:solidFill>
+              <a:effectLst/>
+              <a:latin typeface="Menlo" panose="020B0609030804020204" pitchFamily="49" charset="0"/>
+            </a:endParaRPr>
+          </a:p>
+        </p:txBody>
+      </p:sp>
+      <p:sp>
+        <p:nvSpPr>
+          <p:cNvPr id="7" name="Rectangle 6">
+            <a:extLst>
+              <a:ext uri="{FF2B5EF4-FFF2-40B4-BE49-F238E27FC236}">
+                <a16:creationId xmlns:a16="http://schemas.microsoft.com/office/drawing/2014/main" id="{D227FBC2-0A35-3C44-C9BC-D6FA96F2D14A}"/>
+              </a:ext>
+            </a:extLst>
+          </p:cNvPr>
+          <p:cNvSpPr/>
+          <p:nvPr/>
+        </p:nvSpPr>
+        <p:spPr>
+          <a:xfrm>
+            <a:off x="4171244" y="141333"/>
+            <a:ext cx="7326489" cy="2751207"/>
+          </a:xfrm>
+          <a:prstGeom prst="rect">
+            <a:avLst/>
+          </a:prstGeom>
+        </p:spPr>
+        <p:style>
+          <a:lnRef idx="2">
+            <a:schemeClr val="accent1">
+              <a:shade val="15000"/>
+            </a:schemeClr>
+          </a:lnRef>
+          <a:fillRef idx="1">
+            <a:schemeClr val="accent1"/>
+          </a:fillRef>
+          <a:effectRef idx="0">
+            <a:schemeClr val="accent1"/>
+          </a:effectRef>
+          <a:fontRef idx="minor">
+            <a:schemeClr val="lt1"/>
+          </a:fontRef>
+        </p:style>
+        <p:txBody>
+          <a:bodyPr rtlCol="0" anchor="t"/>
+          <a:lstStyle/>
+          <a:p>
+            <a:r>
+              <a:rPr lang="zh-CN" altLang="en-US" b="1" dirty="0"/>
+              <a:t>整体思路依然是双向双指针</a:t>
+            </a:r>
+            <a:endParaRPr lang="en-US" altLang="zh-CN" b="1" dirty="0"/>
+          </a:p>
+          <a:p>
+            <a:r>
+              <a:rPr lang="zh-CN" altLang="en-US" b="1" dirty="0"/>
+              <a:t>如果左侧小于右侧，左侧指针向右侧移动一位</a:t>
+            </a:r>
+            <a:endParaRPr lang="en-US" altLang="zh-CN" b="1" dirty="0"/>
+          </a:p>
+          <a:p>
+            <a:r>
+              <a:rPr lang="zh-CN" altLang="en-US" b="1" dirty="0"/>
+              <a:t>如果左侧大于右侧，右侧指针向左移动一位</a:t>
+            </a:r>
+            <a:endParaRPr lang="en-US" altLang="zh-CN" b="1" dirty="0"/>
+          </a:p>
+          <a:p>
+            <a:r>
+              <a:rPr lang="zh-CN" altLang="en-US" b="1" dirty="0"/>
+              <a:t>每次对比左右两侧，最小值*宽度</a:t>
+            </a:r>
+            <a:endParaRPr lang="en-US" altLang="zh-CN" b="1" dirty="0"/>
+          </a:p>
+          <a:p>
+            <a:endParaRPr lang="en-US" altLang="zh-CN" b="1" dirty="0"/>
+          </a:p>
+          <a:p>
+            <a:r>
+              <a:rPr lang="en-US" altLang="zh-CN" b="1" dirty="0"/>
+              <a:t>Running</a:t>
+            </a:r>
+            <a:r>
+              <a:rPr lang="zh-CN" altLang="en-US" b="1" dirty="0"/>
+              <a:t> </a:t>
+            </a:r>
+            <a:r>
+              <a:rPr lang="en-US" altLang="zh-CN" b="1" dirty="0"/>
+              <a:t>time</a:t>
+            </a:r>
+            <a:r>
+              <a:rPr lang="zh-CN" altLang="en-US" b="1" dirty="0"/>
+              <a:t> </a:t>
+            </a:r>
+            <a:r>
+              <a:rPr lang="en-US" altLang="zh-CN" b="1" dirty="0"/>
+              <a:t>O(n)</a:t>
+            </a:r>
+          </a:p>
+          <a:p>
+            <a:r>
+              <a:rPr lang="en-US" altLang="zh-CN" b="1" dirty="0"/>
+              <a:t>Space</a:t>
+            </a:r>
+            <a:r>
+              <a:rPr lang="zh-CN" altLang="en-US" b="1" dirty="0"/>
+              <a:t> </a:t>
+            </a:r>
+            <a:r>
+              <a:rPr lang="en-US" altLang="zh-CN" b="1" dirty="0"/>
+              <a:t>complexity</a:t>
+            </a:r>
+            <a:r>
+              <a:rPr lang="zh-CN" altLang="en-US" b="1" dirty="0"/>
+              <a:t> </a:t>
+            </a:r>
+            <a:r>
+              <a:rPr lang="en-US" altLang="zh-CN" b="1" dirty="0"/>
+              <a:t>O(1)</a:t>
+            </a:r>
+          </a:p>
+        </p:txBody>
+      </p:sp>
+    </p:spTree>
+    <p:extLst>
+      <p:ext uri="{BB962C8B-B14F-4D97-AF65-F5344CB8AC3E}">
+        <p14:creationId xmlns:p14="http://schemas.microsoft.com/office/powerpoint/2010/main" val="4173152580"/>
+      </p:ext>
+    </p:extLst>
+  </p:cSld>
+  <p:clrMapOvr>
+    <a:masterClrMapping/>
+  </p:clrMapOvr>
+</p:sld>
+</file>
+
+<file path=ppt/slides/slide5.xml><?xml version="1.0" encoding="utf-8"?>
+<p:sld xmlns:a="http://schemas.openxmlformats.org/drawingml/2006/main" xmlns:r="http://schemas.openxmlformats.org/officeDocument/2006/relationships" xmlns:p="http://schemas.openxmlformats.org/presentationml/2006/main">
+  <p:cSld>
+    <p:spTree>
+      <p:nvGrpSpPr>
+        <p:cNvPr id="1" name=""/>
+        <p:cNvGrpSpPr/>
+        <p:nvPr/>
+      </p:nvGrpSpPr>
+      <p:grpSpPr>
+        <a:xfrm>
+          <a:off x="0" y="0"/>
+          <a:ext cx="0" cy="0"/>
+          <a:chOff x="0" y="0"/>
+          <a:chExt cx="0" cy="0"/>
+        </a:xfrm>
+      </p:grpSpPr>
+      <p:pic>
+        <p:nvPicPr>
+          <p:cNvPr id="4" name="Picture 3">
+            <a:extLst>
+              <a:ext uri="{FF2B5EF4-FFF2-40B4-BE49-F238E27FC236}">
+                <a16:creationId xmlns:a16="http://schemas.microsoft.com/office/drawing/2014/main" id="{A0676D7E-FDB4-CBB2-2A34-85973970AE85}"/>
+              </a:ext>
+            </a:extLst>
+          </p:cNvPr>
+          <p:cNvPicPr>
+            <a:picLocks noChangeAspect="1"/>
+          </p:cNvPicPr>
+          <p:nvPr/>
+        </p:nvPicPr>
+        <p:blipFill>
+          <a:blip r:embed="rId2"/>
+          <a:stretch>
+            <a:fillRect/>
+          </a:stretch>
+        </p:blipFill>
+        <p:spPr>
+          <a:xfrm>
+            <a:off x="-1" y="-1"/>
+            <a:ext cx="4358903" cy="3747911"/>
+          </a:xfrm>
+          <a:prstGeom prst="rect">
+            <a:avLst/>
+          </a:prstGeom>
+        </p:spPr>
+      </p:pic>
+      <p:sp>
+        <p:nvSpPr>
+          <p:cNvPr id="6" name="TextBox 5">
+            <a:extLst>
+              <a:ext uri="{FF2B5EF4-FFF2-40B4-BE49-F238E27FC236}">
+                <a16:creationId xmlns:a16="http://schemas.microsoft.com/office/drawing/2014/main" id="{DDEEA193-3BDD-C23D-219E-43507C244206}"/>
+              </a:ext>
+            </a:extLst>
+          </p:cNvPr>
+          <p:cNvSpPr txBox="1"/>
+          <p:nvPr/>
+        </p:nvSpPr>
+        <p:spPr>
+          <a:xfrm>
+            <a:off x="-45154" y="3841790"/>
+            <a:ext cx="6141154" cy="3016210"/>
+          </a:xfrm>
+          <a:prstGeom prst="rect">
+            <a:avLst/>
+          </a:prstGeom>
+          <a:noFill/>
+        </p:spPr>
+        <p:txBody>
+          <a:bodyPr wrap="square">
+            <a:spAutoFit/>
+          </a:bodyPr>
+          <a:lstStyle/>
+          <a:p>
+            <a:r>
+              <a:rPr lang="en-US" sz="1000" b="0" dirty="0">
+                <a:solidFill>
+                  <a:srgbClr val="0000FF"/>
+                </a:solidFill>
+                <a:effectLst/>
+                <a:latin typeface="Menlo" panose="020B0609030804020204" pitchFamily="49" charset="0"/>
+              </a:rPr>
+              <a:t>class</a:t>
+            </a:r>
+            <a:r>
+              <a:rPr lang="en-US" sz="1000" b="0" dirty="0">
+                <a:solidFill>
+                  <a:srgbClr val="000000"/>
+                </a:solidFill>
+                <a:effectLst/>
+                <a:latin typeface="Menlo" panose="020B0609030804020204" pitchFamily="49" charset="0"/>
+              </a:rPr>
+              <a:t> </a:t>
+            </a:r>
+            <a:r>
+              <a:rPr lang="en-US" sz="1000" b="0" dirty="0">
+                <a:solidFill>
+                  <a:srgbClr val="267F99"/>
+                </a:solidFill>
+                <a:effectLst/>
+                <a:latin typeface="Menlo" panose="020B0609030804020204" pitchFamily="49" charset="0"/>
+              </a:rPr>
+              <a:t>Solution</a:t>
+            </a:r>
+            <a:r>
+              <a:rPr lang="en-US" sz="1000" b="0" dirty="0">
+                <a:solidFill>
+                  <a:srgbClr val="000000"/>
+                </a:solidFill>
+                <a:effectLst/>
+                <a:latin typeface="Menlo" panose="020B0609030804020204" pitchFamily="49" charset="0"/>
+              </a:rPr>
+              <a:t>(</a:t>
+            </a:r>
+            <a:r>
+              <a:rPr lang="en-US" sz="1000" b="0" dirty="0">
+                <a:solidFill>
+                  <a:srgbClr val="267F99"/>
+                </a:solidFill>
+                <a:effectLst/>
+                <a:latin typeface="Menlo" panose="020B0609030804020204" pitchFamily="49" charset="0"/>
+              </a:rPr>
+              <a:t>object</a:t>
+            </a:r>
+            <a:r>
+              <a:rPr lang="en-US" sz="1000" b="0" dirty="0">
+                <a:solidFill>
+                  <a:srgbClr val="000000"/>
+                </a:solidFill>
+                <a:effectLst/>
+                <a:latin typeface="Menlo" panose="020B0609030804020204" pitchFamily="49" charset="0"/>
+              </a:rPr>
+              <a:t>):</a:t>
+            </a:r>
+          </a:p>
+          <a:p>
+            <a:r>
+              <a:rPr lang="en-US" sz="1000" b="0" dirty="0">
+                <a:solidFill>
+                  <a:srgbClr val="0000FF"/>
+                </a:solidFill>
+                <a:effectLst/>
+                <a:latin typeface="Menlo" panose="020B0609030804020204" pitchFamily="49" charset="0"/>
+              </a:rPr>
+              <a:t>def</a:t>
+            </a:r>
+            <a:r>
+              <a:rPr lang="en-US" sz="1000" b="0" dirty="0">
+                <a:solidFill>
+                  <a:srgbClr val="000000"/>
+                </a:solidFill>
+                <a:effectLst/>
+                <a:latin typeface="Menlo" panose="020B0609030804020204" pitchFamily="49" charset="0"/>
+              </a:rPr>
+              <a:t> </a:t>
+            </a:r>
+            <a:r>
+              <a:rPr lang="en-US" sz="1000" b="0" dirty="0">
+                <a:solidFill>
+                  <a:srgbClr val="795E26"/>
+                </a:solidFill>
+                <a:effectLst/>
+                <a:latin typeface="Menlo" panose="020B0609030804020204" pitchFamily="49" charset="0"/>
+              </a:rPr>
+              <a:t>trap</a:t>
+            </a:r>
+            <a:r>
+              <a:rPr lang="en-US" sz="1000" b="0" dirty="0">
+                <a:solidFill>
+                  <a:srgbClr val="000000"/>
+                </a:solidFill>
+                <a:effectLst/>
+                <a:latin typeface="Menlo" panose="020B0609030804020204" pitchFamily="49" charset="0"/>
+              </a:rPr>
+              <a:t>(</a:t>
+            </a:r>
+            <a:r>
+              <a:rPr lang="en-US" sz="1000" b="0" dirty="0">
+                <a:solidFill>
+                  <a:srgbClr val="001080"/>
+                </a:solidFill>
+                <a:effectLst/>
+                <a:latin typeface="Menlo" panose="020B0609030804020204" pitchFamily="49" charset="0"/>
+              </a:rPr>
+              <a:t>self</a:t>
+            </a:r>
+            <a:r>
+              <a:rPr lang="en-US" sz="1000" b="0" dirty="0">
+                <a:solidFill>
+                  <a:srgbClr val="000000"/>
+                </a:solidFill>
+                <a:effectLst/>
+                <a:latin typeface="Menlo" panose="020B0609030804020204" pitchFamily="49" charset="0"/>
+              </a:rPr>
+              <a:t>, </a:t>
+            </a:r>
+            <a:r>
+              <a:rPr lang="en-US" sz="1000" b="0" dirty="0">
+                <a:solidFill>
+                  <a:srgbClr val="001080"/>
+                </a:solidFill>
+                <a:effectLst/>
+                <a:latin typeface="Menlo" panose="020B0609030804020204" pitchFamily="49" charset="0"/>
+              </a:rPr>
+              <a:t>height</a:t>
+            </a:r>
+            <a:r>
+              <a:rPr lang="en-US" sz="1000" b="0" dirty="0">
+                <a:solidFill>
+                  <a:srgbClr val="000000"/>
+                </a:solidFill>
+                <a:effectLst/>
+                <a:latin typeface="Menlo" panose="020B0609030804020204" pitchFamily="49" charset="0"/>
+              </a:rPr>
+              <a:t>):</a:t>
+            </a:r>
+          </a:p>
+          <a:p>
+            <a:r>
+              <a:rPr lang="en-US" sz="1000" b="0" dirty="0">
+                <a:solidFill>
+                  <a:srgbClr val="A31515"/>
+                </a:solidFill>
+                <a:effectLst/>
+                <a:latin typeface="Menlo" panose="020B0609030804020204" pitchFamily="49" charset="0"/>
+              </a:rPr>
+              <a:t>"""</a:t>
+            </a:r>
+            <a:endParaRPr lang="en-US" sz="1000" b="0" dirty="0">
+              <a:solidFill>
+                <a:srgbClr val="000000"/>
+              </a:solidFill>
+              <a:effectLst/>
+              <a:latin typeface="Menlo" panose="020B0609030804020204" pitchFamily="49" charset="0"/>
+            </a:endParaRPr>
+          </a:p>
+          <a:p>
+            <a:r>
+              <a:rPr lang="en-US" sz="1000" b="0" dirty="0">
+                <a:solidFill>
+                  <a:srgbClr val="A31515"/>
+                </a:solidFill>
+                <a:effectLst/>
+                <a:latin typeface="Menlo" panose="020B0609030804020204" pitchFamily="49" charset="0"/>
+              </a:rPr>
+              <a:t>:type height: List[int]</a:t>
+            </a:r>
+            <a:endParaRPr lang="en-US" sz="1000" b="0" dirty="0">
+              <a:solidFill>
+                <a:srgbClr val="000000"/>
+              </a:solidFill>
+              <a:effectLst/>
+              <a:latin typeface="Menlo" panose="020B0609030804020204" pitchFamily="49" charset="0"/>
+            </a:endParaRPr>
+          </a:p>
+          <a:p>
+            <a:r>
+              <a:rPr lang="en-US" sz="1000" b="0" dirty="0">
+                <a:solidFill>
+                  <a:srgbClr val="A31515"/>
+                </a:solidFill>
+                <a:effectLst/>
+                <a:latin typeface="Menlo" panose="020B0609030804020204" pitchFamily="49" charset="0"/>
+              </a:rPr>
+              <a:t>:</a:t>
+            </a:r>
+            <a:r>
+              <a:rPr lang="en-US" sz="1000" b="0" dirty="0" err="1">
+                <a:solidFill>
+                  <a:srgbClr val="A31515"/>
+                </a:solidFill>
+                <a:effectLst/>
+                <a:latin typeface="Menlo" panose="020B0609030804020204" pitchFamily="49" charset="0"/>
+              </a:rPr>
+              <a:t>rtype</a:t>
+            </a:r>
+            <a:r>
+              <a:rPr lang="en-US" sz="1000" b="0" dirty="0">
+                <a:solidFill>
+                  <a:srgbClr val="A31515"/>
+                </a:solidFill>
+                <a:effectLst/>
+                <a:latin typeface="Menlo" panose="020B0609030804020204" pitchFamily="49" charset="0"/>
+              </a:rPr>
+              <a:t>: int</a:t>
+            </a:r>
+            <a:endParaRPr lang="en-US" sz="1000" b="0" dirty="0">
+              <a:solidFill>
+                <a:srgbClr val="000000"/>
+              </a:solidFill>
+              <a:effectLst/>
+              <a:latin typeface="Menlo" panose="020B0609030804020204" pitchFamily="49" charset="0"/>
+            </a:endParaRPr>
+          </a:p>
+          <a:p>
+            <a:r>
+              <a:rPr lang="en-US" sz="1000" b="0" dirty="0">
+                <a:solidFill>
+                  <a:srgbClr val="A31515"/>
+                </a:solidFill>
+                <a:effectLst/>
+                <a:latin typeface="Menlo" panose="020B0609030804020204" pitchFamily="49" charset="0"/>
+              </a:rPr>
+              <a:t>"""</a:t>
+            </a:r>
+            <a:endParaRPr lang="en-US" sz="1000" b="0" dirty="0">
+              <a:solidFill>
+                <a:srgbClr val="000000"/>
+              </a:solidFill>
+              <a:effectLst/>
+              <a:latin typeface="Menlo" panose="020B0609030804020204" pitchFamily="49" charset="0"/>
+            </a:endParaRPr>
+          </a:p>
+          <a:p>
+            <a:r>
+              <a:rPr lang="en-US" sz="1000" b="0" dirty="0">
+                <a:solidFill>
+                  <a:srgbClr val="000000"/>
+                </a:solidFill>
+                <a:effectLst/>
+                <a:latin typeface="Menlo" panose="020B0609030804020204" pitchFamily="49" charset="0"/>
+              </a:rPr>
+              <a:t>n = </a:t>
+            </a:r>
+            <a:r>
+              <a:rPr lang="en-US" sz="1000" b="0" dirty="0" err="1">
+                <a:solidFill>
+                  <a:srgbClr val="795E26"/>
+                </a:solidFill>
+                <a:effectLst/>
+                <a:latin typeface="Menlo" panose="020B0609030804020204" pitchFamily="49" charset="0"/>
+              </a:rPr>
+              <a:t>len</a:t>
+            </a:r>
+            <a:r>
+              <a:rPr lang="en-US" sz="1000" b="0" dirty="0">
+                <a:solidFill>
+                  <a:srgbClr val="000000"/>
+                </a:solidFill>
+                <a:effectLst/>
+                <a:latin typeface="Menlo" panose="020B0609030804020204" pitchFamily="49" charset="0"/>
+              </a:rPr>
+              <a:t>(height)</a:t>
+            </a:r>
+          </a:p>
+          <a:p>
+            <a:r>
+              <a:rPr lang="en-US" sz="1000" b="0" dirty="0" err="1">
+                <a:solidFill>
+                  <a:srgbClr val="000000"/>
+                </a:solidFill>
+                <a:effectLst/>
+                <a:latin typeface="Menlo" panose="020B0609030804020204" pitchFamily="49" charset="0"/>
+              </a:rPr>
+              <a:t>pre_height</a:t>
+            </a:r>
+            <a:r>
+              <a:rPr lang="en-US" sz="1000" b="0" dirty="0">
+                <a:solidFill>
+                  <a:srgbClr val="000000"/>
+                </a:solidFill>
+                <a:effectLst/>
+                <a:latin typeface="Menlo" panose="020B0609030804020204" pitchFamily="49" charset="0"/>
+              </a:rPr>
+              <a:t> = [</a:t>
+            </a:r>
+            <a:r>
+              <a:rPr lang="en-US" sz="1000" b="0" dirty="0">
+                <a:solidFill>
+                  <a:srgbClr val="098658"/>
+                </a:solidFill>
+                <a:effectLst/>
+                <a:latin typeface="Menlo" panose="020B0609030804020204" pitchFamily="49" charset="0"/>
+              </a:rPr>
+              <a:t>0</a:t>
+            </a:r>
+            <a:r>
+              <a:rPr lang="en-US" sz="1000" b="0" dirty="0">
+                <a:solidFill>
+                  <a:srgbClr val="000000"/>
+                </a:solidFill>
+                <a:effectLst/>
+                <a:latin typeface="Menlo" panose="020B0609030804020204" pitchFamily="49" charset="0"/>
+              </a:rPr>
+              <a:t>] * n</a:t>
+            </a:r>
+          </a:p>
+          <a:p>
+            <a:r>
+              <a:rPr lang="en-US" sz="1000" b="0" dirty="0" err="1">
+                <a:solidFill>
+                  <a:srgbClr val="000000"/>
+                </a:solidFill>
+                <a:effectLst/>
+                <a:latin typeface="Menlo" panose="020B0609030804020204" pitchFamily="49" charset="0"/>
+              </a:rPr>
+              <a:t>pre_height</a:t>
+            </a:r>
+            <a:r>
+              <a:rPr lang="en-US" sz="1000" b="0" dirty="0">
+                <a:solidFill>
+                  <a:srgbClr val="000000"/>
+                </a:solidFill>
+                <a:effectLst/>
+                <a:latin typeface="Menlo" panose="020B0609030804020204" pitchFamily="49" charset="0"/>
+              </a:rPr>
+              <a:t>[</a:t>
+            </a:r>
+            <a:r>
+              <a:rPr lang="en-US" sz="1000" b="0" dirty="0">
+                <a:solidFill>
+                  <a:srgbClr val="098658"/>
+                </a:solidFill>
+                <a:effectLst/>
+                <a:latin typeface="Menlo" panose="020B0609030804020204" pitchFamily="49" charset="0"/>
+              </a:rPr>
+              <a:t>0</a:t>
+            </a:r>
+            <a:r>
+              <a:rPr lang="en-US" sz="1000" b="0" dirty="0">
+                <a:solidFill>
+                  <a:srgbClr val="000000"/>
+                </a:solidFill>
+                <a:effectLst/>
+                <a:latin typeface="Menlo" panose="020B0609030804020204" pitchFamily="49" charset="0"/>
+              </a:rPr>
+              <a:t>] = height[</a:t>
+            </a:r>
+            <a:r>
+              <a:rPr lang="en-US" sz="1000" b="0" dirty="0">
+                <a:solidFill>
+                  <a:srgbClr val="098658"/>
+                </a:solidFill>
+                <a:effectLst/>
+                <a:latin typeface="Menlo" panose="020B0609030804020204" pitchFamily="49" charset="0"/>
+              </a:rPr>
+              <a:t>0</a:t>
+            </a:r>
+            <a:r>
+              <a:rPr lang="en-US" sz="1000" b="0" dirty="0">
+                <a:solidFill>
+                  <a:srgbClr val="000000"/>
+                </a:solidFill>
+                <a:effectLst/>
+                <a:latin typeface="Menlo" panose="020B0609030804020204" pitchFamily="49" charset="0"/>
+              </a:rPr>
+              <a:t>]</a:t>
+            </a:r>
+          </a:p>
+          <a:p>
+            <a:r>
+              <a:rPr lang="en-US" sz="1000" b="0" dirty="0" err="1">
+                <a:solidFill>
+                  <a:srgbClr val="000000"/>
+                </a:solidFill>
+                <a:effectLst/>
+                <a:latin typeface="Menlo" panose="020B0609030804020204" pitchFamily="49" charset="0"/>
+              </a:rPr>
+              <a:t>suf_height</a:t>
+            </a:r>
+            <a:r>
+              <a:rPr lang="en-US" sz="1000" b="0" dirty="0">
+                <a:solidFill>
+                  <a:srgbClr val="000000"/>
+                </a:solidFill>
+                <a:effectLst/>
+                <a:latin typeface="Menlo" panose="020B0609030804020204" pitchFamily="49" charset="0"/>
+              </a:rPr>
+              <a:t> = [</a:t>
+            </a:r>
+            <a:r>
+              <a:rPr lang="en-US" sz="1000" b="0" dirty="0">
+                <a:solidFill>
+                  <a:srgbClr val="098658"/>
+                </a:solidFill>
+                <a:effectLst/>
+                <a:latin typeface="Menlo" panose="020B0609030804020204" pitchFamily="49" charset="0"/>
+              </a:rPr>
+              <a:t>0</a:t>
+            </a:r>
+            <a:r>
+              <a:rPr lang="en-US" sz="1000" b="0" dirty="0">
+                <a:solidFill>
+                  <a:srgbClr val="000000"/>
+                </a:solidFill>
+                <a:effectLst/>
+                <a:latin typeface="Menlo" panose="020B0609030804020204" pitchFamily="49" charset="0"/>
+              </a:rPr>
+              <a:t>] * n</a:t>
+            </a:r>
+          </a:p>
+          <a:p>
+            <a:r>
+              <a:rPr lang="en-US" sz="1000" b="0" dirty="0" err="1">
+                <a:solidFill>
+                  <a:srgbClr val="000000"/>
+                </a:solidFill>
+                <a:effectLst/>
+                <a:latin typeface="Menlo" panose="020B0609030804020204" pitchFamily="49" charset="0"/>
+              </a:rPr>
+              <a:t>suf_height</a:t>
+            </a:r>
+            <a:r>
+              <a:rPr lang="en-US" sz="1000" b="0" dirty="0">
+                <a:solidFill>
+                  <a:srgbClr val="000000"/>
+                </a:solidFill>
+                <a:effectLst/>
+                <a:latin typeface="Menlo" panose="020B0609030804020204" pitchFamily="49" charset="0"/>
+              </a:rPr>
+              <a:t>[n-</a:t>
+            </a:r>
+            <a:r>
+              <a:rPr lang="en-US" sz="1000" b="0" dirty="0">
+                <a:solidFill>
+                  <a:srgbClr val="098658"/>
+                </a:solidFill>
+                <a:effectLst/>
+                <a:latin typeface="Menlo" panose="020B0609030804020204" pitchFamily="49" charset="0"/>
+              </a:rPr>
+              <a:t>1</a:t>
+            </a:r>
+            <a:r>
+              <a:rPr lang="en-US" sz="1000" b="0" dirty="0">
+                <a:solidFill>
+                  <a:srgbClr val="000000"/>
+                </a:solidFill>
+                <a:effectLst/>
+                <a:latin typeface="Menlo" panose="020B0609030804020204" pitchFamily="49" charset="0"/>
+              </a:rPr>
+              <a:t>] = height[n-</a:t>
+            </a:r>
+            <a:r>
+              <a:rPr lang="en-US" sz="1000" b="0" dirty="0">
+                <a:solidFill>
+                  <a:srgbClr val="098658"/>
+                </a:solidFill>
+                <a:effectLst/>
+                <a:latin typeface="Menlo" panose="020B0609030804020204" pitchFamily="49" charset="0"/>
+              </a:rPr>
+              <a:t>1</a:t>
+            </a:r>
+            <a:r>
+              <a:rPr lang="en-US" sz="1000" b="0" dirty="0">
+                <a:solidFill>
+                  <a:srgbClr val="000000"/>
+                </a:solidFill>
+                <a:effectLst/>
+                <a:latin typeface="Menlo" panose="020B0609030804020204" pitchFamily="49" charset="0"/>
+              </a:rPr>
+              <a:t>] </a:t>
+            </a:r>
+          </a:p>
+          <a:p>
+            <a:r>
+              <a:rPr lang="en-US" sz="1000" b="0" dirty="0">
+                <a:solidFill>
+                  <a:srgbClr val="AF00DB"/>
+                </a:solidFill>
+                <a:effectLst/>
+                <a:latin typeface="Menlo" panose="020B0609030804020204" pitchFamily="49" charset="0"/>
+              </a:rPr>
+              <a:t>for</a:t>
+            </a:r>
+            <a:r>
+              <a:rPr lang="en-US" sz="1000" b="0" dirty="0">
+                <a:solidFill>
+                  <a:srgbClr val="000000"/>
+                </a:solidFill>
+                <a:effectLst/>
+                <a:latin typeface="Menlo" panose="020B0609030804020204" pitchFamily="49" charset="0"/>
+              </a:rPr>
+              <a:t> </a:t>
+            </a:r>
+            <a:r>
+              <a:rPr lang="en-US" sz="1000" b="0" dirty="0" err="1">
+                <a:solidFill>
+                  <a:srgbClr val="000000"/>
+                </a:solidFill>
+                <a:effectLst/>
+                <a:latin typeface="Menlo" panose="020B0609030804020204" pitchFamily="49" charset="0"/>
+              </a:rPr>
+              <a:t>i</a:t>
+            </a:r>
+            <a:r>
+              <a:rPr lang="en-US" sz="1000" b="0" dirty="0">
+                <a:solidFill>
+                  <a:srgbClr val="000000"/>
+                </a:solidFill>
+                <a:effectLst/>
+                <a:latin typeface="Menlo" panose="020B0609030804020204" pitchFamily="49" charset="0"/>
+              </a:rPr>
+              <a:t> </a:t>
+            </a:r>
+            <a:r>
+              <a:rPr lang="en-US" sz="1000" b="0" dirty="0">
+                <a:solidFill>
+                  <a:srgbClr val="AF00DB"/>
+                </a:solidFill>
+                <a:effectLst/>
+                <a:latin typeface="Menlo" panose="020B0609030804020204" pitchFamily="49" charset="0"/>
+              </a:rPr>
+              <a:t>in</a:t>
+            </a:r>
+            <a:r>
+              <a:rPr lang="en-US" sz="1000" b="0" dirty="0">
+                <a:solidFill>
+                  <a:srgbClr val="000000"/>
+                </a:solidFill>
+                <a:effectLst/>
+                <a:latin typeface="Menlo" panose="020B0609030804020204" pitchFamily="49" charset="0"/>
+              </a:rPr>
+              <a:t> </a:t>
+            </a:r>
+            <a:r>
+              <a:rPr lang="en-US" sz="1000" b="0" dirty="0">
+                <a:solidFill>
+                  <a:srgbClr val="795E26"/>
+                </a:solidFill>
+                <a:effectLst/>
+                <a:latin typeface="Menlo" panose="020B0609030804020204" pitchFamily="49" charset="0"/>
+              </a:rPr>
+              <a:t>range</a:t>
+            </a:r>
+            <a:r>
+              <a:rPr lang="en-US" sz="1000" b="0" dirty="0">
+                <a:solidFill>
+                  <a:srgbClr val="000000"/>
+                </a:solidFill>
+                <a:effectLst/>
+                <a:latin typeface="Menlo" panose="020B0609030804020204" pitchFamily="49" charset="0"/>
+              </a:rPr>
+              <a:t>(</a:t>
+            </a:r>
+            <a:r>
+              <a:rPr lang="en-US" sz="1000" b="0" dirty="0">
+                <a:solidFill>
+                  <a:srgbClr val="098658"/>
+                </a:solidFill>
+                <a:effectLst/>
+                <a:latin typeface="Menlo" panose="020B0609030804020204" pitchFamily="49" charset="0"/>
+              </a:rPr>
+              <a:t>1</a:t>
+            </a:r>
+            <a:r>
+              <a:rPr lang="en-US" sz="1000" b="0" dirty="0">
+                <a:solidFill>
+                  <a:srgbClr val="000000"/>
+                </a:solidFill>
+                <a:effectLst/>
+                <a:latin typeface="Menlo" panose="020B0609030804020204" pitchFamily="49" charset="0"/>
+              </a:rPr>
+              <a:t>, n):</a:t>
+            </a:r>
+          </a:p>
+          <a:p>
+            <a:r>
+              <a:rPr lang="en-US" sz="1000" b="0" dirty="0" err="1">
+                <a:solidFill>
+                  <a:srgbClr val="000000"/>
+                </a:solidFill>
+                <a:effectLst/>
+                <a:latin typeface="Menlo" panose="020B0609030804020204" pitchFamily="49" charset="0"/>
+              </a:rPr>
+              <a:t>pre_height</a:t>
+            </a:r>
+            <a:r>
+              <a:rPr lang="en-US" sz="1000" b="0" dirty="0">
+                <a:solidFill>
+                  <a:srgbClr val="000000"/>
+                </a:solidFill>
+                <a:effectLst/>
+                <a:latin typeface="Menlo" panose="020B0609030804020204" pitchFamily="49" charset="0"/>
+              </a:rPr>
+              <a:t>[</a:t>
+            </a:r>
+            <a:r>
+              <a:rPr lang="en-US" sz="1000" b="0" dirty="0" err="1">
+                <a:solidFill>
+                  <a:srgbClr val="000000"/>
+                </a:solidFill>
+                <a:effectLst/>
+                <a:latin typeface="Menlo" panose="020B0609030804020204" pitchFamily="49" charset="0"/>
+              </a:rPr>
+              <a:t>i</a:t>
+            </a:r>
+            <a:r>
+              <a:rPr lang="en-US" sz="1000" b="0" dirty="0">
+                <a:solidFill>
+                  <a:srgbClr val="000000"/>
+                </a:solidFill>
+                <a:effectLst/>
+                <a:latin typeface="Menlo" panose="020B0609030804020204" pitchFamily="49" charset="0"/>
+              </a:rPr>
+              <a:t>] = </a:t>
+            </a:r>
+            <a:r>
+              <a:rPr lang="en-US" sz="1000" b="0" dirty="0">
+                <a:solidFill>
+                  <a:srgbClr val="795E26"/>
+                </a:solidFill>
+                <a:effectLst/>
+                <a:latin typeface="Menlo" panose="020B0609030804020204" pitchFamily="49" charset="0"/>
+              </a:rPr>
+              <a:t>max</a:t>
+            </a:r>
+            <a:r>
+              <a:rPr lang="en-US" sz="1000" b="0" dirty="0">
+                <a:solidFill>
+                  <a:srgbClr val="000000"/>
+                </a:solidFill>
+                <a:effectLst/>
+                <a:latin typeface="Menlo" panose="020B0609030804020204" pitchFamily="49" charset="0"/>
+              </a:rPr>
+              <a:t>(</a:t>
+            </a:r>
+            <a:r>
+              <a:rPr lang="en-US" sz="1000" b="0" dirty="0" err="1">
+                <a:solidFill>
+                  <a:srgbClr val="000000"/>
+                </a:solidFill>
+                <a:effectLst/>
+                <a:latin typeface="Menlo" panose="020B0609030804020204" pitchFamily="49" charset="0"/>
+              </a:rPr>
+              <a:t>pre_height</a:t>
+            </a:r>
+            <a:r>
+              <a:rPr lang="en-US" sz="1000" b="0" dirty="0">
+                <a:solidFill>
+                  <a:srgbClr val="000000"/>
+                </a:solidFill>
+                <a:effectLst/>
+                <a:latin typeface="Menlo" panose="020B0609030804020204" pitchFamily="49" charset="0"/>
+              </a:rPr>
+              <a:t>[i-</a:t>
+            </a:r>
+            <a:r>
+              <a:rPr lang="en-US" sz="1000" b="0" dirty="0">
+                <a:solidFill>
+                  <a:srgbClr val="098658"/>
+                </a:solidFill>
+                <a:effectLst/>
+                <a:latin typeface="Menlo" panose="020B0609030804020204" pitchFamily="49" charset="0"/>
+              </a:rPr>
+              <a:t>1</a:t>
+            </a:r>
+            <a:r>
+              <a:rPr lang="en-US" sz="1000" b="0" dirty="0">
+                <a:solidFill>
+                  <a:srgbClr val="000000"/>
+                </a:solidFill>
+                <a:effectLst/>
+                <a:latin typeface="Menlo" panose="020B0609030804020204" pitchFamily="49" charset="0"/>
+              </a:rPr>
+              <a:t>], height[</a:t>
+            </a:r>
+            <a:r>
+              <a:rPr lang="en-US" sz="1000" b="0" dirty="0" err="1">
+                <a:solidFill>
+                  <a:srgbClr val="000000"/>
+                </a:solidFill>
+                <a:effectLst/>
+                <a:latin typeface="Menlo" panose="020B0609030804020204" pitchFamily="49" charset="0"/>
+              </a:rPr>
+              <a:t>i</a:t>
+            </a:r>
+            <a:r>
+              <a:rPr lang="en-US" sz="1000" b="0" dirty="0">
+                <a:solidFill>
+                  <a:srgbClr val="000000"/>
+                </a:solidFill>
+                <a:effectLst/>
+                <a:latin typeface="Menlo" panose="020B0609030804020204" pitchFamily="49" charset="0"/>
+              </a:rPr>
+              <a:t>])</a:t>
+            </a:r>
+          </a:p>
+          <a:p>
+            <a:r>
+              <a:rPr lang="en-US" sz="1000" b="0" dirty="0">
+                <a:solidFill>
+                  <a:srgbClr val="AF00DB"/>
+                </a:solidFill>
+                <a:effectLst/>
+                <a:latin typeface="Menlo" panose="020B0609030804020204" pitchFamily="49" charset="0"/>
+              </a:rPr>
+              <a:t>for</a:t>
+            </a:r>
+            <a:r>
+              <a:rPr lang="en-US" sz="1000" b="0" dirty="0">
+                <a:solidFill>
+                  <a:srgbClr val="000000"/>
+                </a:solidFill>
+                <a:effectLst/>
+                <a:latin typeface="Menlo" panose="020B0609030804020204" pitchFamily="49" charset="0"/>
+              </a:rPr>
+              <a:t> </a:t>
+            </a:r>
+            <a:r>
+              <a:rPr lang="en-US" sz="1000" b="0" dirty="0" err="1">
+                <a:solidFill>
+                  <a:srgbClr val="000000"/>
+                </a:solidFill>
+                <a:effectLst/>
+                <a:latin typeface="Menlo" panose="020B0609030804020204" pitchFamily="49" charset="0"/>
+              </a:rPr>
+              <a:t>i</a:t>
+            </a:r>
+            <a:r>
+              <a:rPr lang="en-US" sz="1000" b="0" dirty="0">
+                <a:solidFill>
+                  <a:srgbClr val="000000"/>
+                </a:solidFill>
+                <a:effectLst/>
+                <a:latin typeface="Menlo" panose="020B0609030804020204" pitchFamily="49" charset="0"/>
+              </a:rPr>
+              <a:t> </a:t>
+            </a:r>
+            <a:r>
+              <a:rPr lang="en-US" sz="1000" b="0" dirty="0">
+                <a:solidFill>
+                  <a:srgbClr val="AF00DB"/>
+                </a:solidFill>
+                <a:effectLst/>
+                <a:latin typeface="Menlo" panose="020B0609030804020204" pitchFamily="49" charset="0"/>
+              </a:rPr>
+              <a:t>in</a:t>
+            </a:r>
+            <a:r>
+              <a:rPr lang="en-US" sz="1000" b="0" dirty="0">
+                <a:solidFill>
+                  <a:srgbClr val="000000"/>
+                </a:solidFill>
+                <a:effectLst/>
+                <a:latin typeface="Menlo" panose="020B0609030804020204" pitchFamily="49" charset="0"/>
+              </a:rPr>
+              <a:t> </a:t>
+            </a:r>
+            <a:r>
+              <a:rPr lang="en-US" sz="1000" b="0" dirty="0">
+                <a:solidFill>
+                  <a:srgbClr val="795E26"/>
+                </a:solidFill>
+                <a:effectLst/>
+                <a:latin typeface="Menlo" panose="020B0609030804020204" pitchFamily="49" charset="0"/>
+              </a:rPr>
+              <a:t>range</a:t>
+            </a:r>
+            <a:r>
+              <a:rPr lang="en-US" sz="1000" b="0" dirty="0">
+                <a:solidFill>
+                  <a:srgbClr val="000000"/>
+                </a:solidFill>
+                <a:effectLst/>
+                <a:latin typeface="Menlo" panose="020B0609030804020204" pitchFamily="49" charset="0"/>
+              </a:rPr>
+              <a:t>(n-</a:t>
+            </a:r>
+            <a:r>
+              <a:rPr lang="en-US" sz="1000" b="0" dirty="0">
+                <a:solidFill>
+                  <a:srgbClr val="098658"/>
+                </a:solidFill>
+                <a:effectLst/>
+                <a:latin typeface="Menlo" panose="020B0609030804020204" pitchFamily="49" charset="0"/>
+              </a:rPr>
+              <a:t>2</a:t>
+            </a:r>
+            <a:r>
+              <a:rPr lang="en-US" sz="1000" b="0" dirty="0">
+                <a:solidFill>
+                  <a:srgbClr val="000000"/>
+                </a:solidFill>
+                <a:effectLst/>
+                <a:latin typeface="Menlo" panose="020B0609030804020204" pitchFamily="49" charset="0"/>
+              </a:rPr>
+              <a:t>, -</a:t>
+            </a:r>
+            <a:r>
+              <a:rPr lang="en-US" sz="1000" b="0" dirty="0">
+                <a:solidFill>
+                  <a:srgbClr val="098658"/>
+                </a:solidFill>
+                <a:effectLst/>
+                <a:latin typeface="Menlo" panose="020B0609030804020204" pitchFamily="49" charset="0"/>
+              </a:rPr>
+              <a:t>1</a:t>
+            </a:r>
+            <a:r>
+              <a:rPr lang="en-US" sz="1000" b="0" dirty="0">
+                <a:solidFill>
+                  <a:srgbClr val="000000"/>
+                </a:solidFill>
+                <a:effectLst/>
+                <a:latin typeface="Menlo" panose="020B0609030804020204" pitchFamily="49" charset="0"/>
+              </a:rPr>
+              <a:t>, -</a:t>
+            </a:r>
+            <a:r>
+              <a:rPr lang="en-US" sz="1000" b="0" dirty="0">
+                <a:solidFill>
+                  <a:srgbClr val="098658"/>
+                </a:solidFill>
+                <a:effectLst/>
+                <a:latin typeface="Menlo" panose="020B0609030804020204" pitchFamily="49" charset="0"/>
+              </a:rPr>
+              <a:t>1</a:t>
+            </a:r>
+            <a:r>
+              <a:rPr lang="en-US" sz="1000" b="0" dirty="0">
+                <a:solidFill>
+                  <a:srgbClr val="000000"/>
+                </a:solidFill>
+                <a:effectLst/>
+                <a:latin typeface="Menlo" panose="020B0609030804020204" pitchFamily="49" charset="0"/>
+              </a:rPr>
+              <a:t>):</a:t>
+            </a:r>
+          </a:p>
+          <a:p>
+            <a:r>
+              <a:rPr lang="en-US" sz="1000" b="0" dirty="0" err="1">
+                <a:solidFill>
+                  <a:srgbClr val="000000"/>
+                </a:solidFill>
+                <a:effectLst/>
+                <a:latin typeface="Menlo" panose="020B0609030804020204" pitchFamily="49" charset="0"/>
+              </a:rPr>
+              <a:t>suf_height</a:t>
+            </a:r>
+            <a:r>
+              <a:rPr lang="en-US" sz="1000" b="0" dirty="0">
+                <a:solidFill>
+                  <a:srgbClr val="000000"/>
+                </a:solidFill>
+                <a:effectLst/>
+                <a:latin typeface="Menlo" panose="020B0609030804020204" pitchFamily="49" charset="0"/>
+              </a:rPr>
+              <a:t>[</a:t>
+            </a:r>
+            <a:r>
+              <a:rPr lang="en-US" sz="1000" b="0" dirty="0" err="1">
+                <a:solidFill>
+                  <a:srgbClr val="000000"/>
+                </a:solidFill>
+                <a:effectLst/>
+                <a:latin typeface="Menlo" panose="020B0609030804020204" pitchFamily="49" charset="0"/>
+              </a:rPr>
+              <a:t>i</a:t>
+            </a:r>
+            <a:r>
+              <a:rPr lang="en-US" sz="1000" b="0" dirty="0">
+                <a:solidFill>
+                  <a:srgbClr val="000000"/>
+                </a:solidFill>
+                <a:effectLst/>
+                <a:latin typeface="Menlo" panose="020B0609030804020204" pitchFamily="49" charset="0"/>
+              </a:rPr>
+              <a:t>] = </a:t>
+            </a:r>
+            <a:r>
+              <a:rPr lang="en-US" sz="1000" b="0" dirty="0">
+                <a:solidFill>
+                  <a:srgbClr val="795E26"/>
+                </a:solidFill>
+                <a:effectLst/>
+                <a:latin typeface="Menlo" panose="020B0609030804020204" pitchFamily="49" charset="0"/>
+              </a:rPr>
+              <a:t>max</a:t>
+            </a:r>
+            <a:r>
+              <a:rPr lang="en-US" sz="1000" b="0" dirty="0">
+                <a:solidFill>
+                  <a:srgbClr val="000000"/>
+                </a:solidFill>
+                <a:effectLst/>
+                <a:latin typeface="Menlo" panose="020B0609030804020204" pitchFamily="49" charset="0"/>
+              </a:rPr>
+              <a:t>(</a:t>
+            </a:r>
+            <a:r>
+              <a:rPr lang="en-US" sz="1000" b="0" dirty="0" err="1">
+                <a:solidFill>
+                  <a:srgbClr val="000000"/>
+                </a:solidFill>
+                <a:effectLst/>
+                <a:latin typeface="Menlo" panose="020B0609030804020204" pitchFamily="49" charset="0"/>
+              </a:rPr>
+              <a:t>suf_height</a:t>
+            </a:r>
+            <a:r>
+              <a:rPr lang="en-US" sz="1000" b="0" dirty="0">
+                <a:solidFill>
+                  <a:srgbClr val="000000"/>
+                </a:solidFill>
+                <a:effectLst/>
+                <a:latin typeface="Menlo" panose="020B0609030804020204" pitchFamily="49" charset="0"/>
+              </a:rPr>
+              <a:t>[i+</a:t>
+            </a:r>
+            <a:r>
+              <a:rPr lang="en-US" sz="1000" b="0" dirty="0">
+                <a:solidFill>
+                  <a:srgbClr val="098658"/>
+                </a:solidFill>
+                <a:effectLst/>
+                <a:latin typeface="Menlo" panose="020B0609030804020204" pitchFamily="49" charset="0"/>
+              </a:rPr>
+              <a:t>1</a:t>
+            </a:r>
+            <a:r>
+              <a:rPr lang="en-US" sz="1000" b="0" dirty="0">
+                <a:solidFill>
+                  <a:srgbClr val="000000"/>
+                </a:solidFill>
+                <a:effectLst/>
+                <a:latin typeface="Menlo" panose="020B0609030804020204" pitchFamily="49" charset="0"/>
+              </a:rPr>
+              <a:t>], height[</a:t>
+            </a:r>
+            <a:r>
+              <a:rPr lang="en-US" sz="1000" b="0" dirty="0" err="1">
+                <a:solidFill>
+                  <a:srgbClr val="000000"/>
+                </a:solidFill>
+                <a:effectLst/>
+                <a:latin typeface="Menlo" panose="020B0609030804020204" pitchFamily="49" charset="0"/>
+              </a:rPr>
+              <a:t>i</a:t>
+            </a:r>
+            <a:r>
+              <a:rPr lang="en-US" sz="1000" b="0" dirty="0">
+                <a:solidFill>
+                  <a:srgbClr val="000000"/>
+                </a:solidFill>
+                <a:effectLst/>
+                <a:latin typeface="Menlo" panose="020B0609030804020204" pitchFamily="49" charset="0"/>
+              </a:rPr>
+              <a:t>])</a:t>
+            </a:r>
+          </a:p>
+          <a:p>
+            <a:r>
+              <a:rPr lang="en-US" sz="1000" b="0" dirty="0" err="1">
+                <a:solidFill>
+                  <a:srgbClr val="000000"/>
+                </a:solidFill>
+                <a:effectLst/>
+                <a:latin typeface="Menlo" panose="020B0609030804020204" pitchFamily="49" charset="0"/>
+              </a:rPr>
+              <a:t>ans</a:t>
+            </a:r>
+            <a:r>
+              <a:rPr lang="en-US" sz="1000" b="0" dirty="0">
+                <a:solidFill>
+                  <a:srgbClr val="000000"/>
+                </a:solidFill>
+                <a:effectLst/>
+                <a:latin typeface="Menlo" panose="020B0609030804020204" pitchFamily="49" charset="0"/>
+              </a:rPr>
+              <a:t> = </a:t>
+            </a:r>
+            <a:r>
+              <a:rPr lang="en-US" sz="1000" b="0" dirty="0">
+                <a:solidFill>
+                  <a:srgbClr val="098658"/>
+                </a:solidFill>
+                <a:effectLst/>
+                <a:latin typeface="Menlo" panose="020B0609030804020204" pitchFamily="49" charset="0"/>
+              </a:rPr>
+              <a:t>0</a:t>
+            </a:r>
+            <a:endParaRPr lang="en-US" sz="1000" b="0" dirty="0">
+              <a:solidFill>
+                <a:srgbClr val="000000"/>
+              </a:solidFill>
+              <a:effectLst/>
+              <a:latin typeface="Menlo" panose="020B0609030804020204" pitchFamily="49" charset="0"/>
+            </a:endParaRPr>
+          </a:p>
+          <a:p>
+            <a:r>
+              <a:rPr lang="en-US" sz="1000" b="0" dirty="0">
+                <a:solidFill>
+                  <a:srgbClr val="AF00DB"/>
+                </a:solidFill>
+                <a:effectLst/>
+                <a:latin typeface="Menlo" panose="020B0609030804020204" pitchFamily="49" charset="0"/>
+              </a:rPr>
+              <a:t>for</a:t>
+            </a:r>
+            <a:r>
+              <a:rPr lang="en-US" sz="1000" b="0" dirty="0">
+                <a:solidFill>
+                  <a:srgbClr val="000000"/>
+                </a:solidFill>
+                <a:effectLst/>
+                <a:latin typeface="Menlo" panose="020B0609030804020204" pitchFamily="49" charset="0"/>
+              </a:rPr>
+              <a:t> </a:t>
+            </a:r>
+            <a:r>
+              <a:rPr lang="en-US" sz="1000" b="0" dirty="0" err="1">
+                <a:solidFill>
+                  <a:srgbClr val="000000"/>
+                </a:solidFill>
+                <a:effectLst/>
+                <a:latin typeface="Menlo" panose="020B0609030804020204" pitchFamily="49" charset="0"/>
+              </a:rPr>
+              <a:t>i</a:t>
+            </a:r>
+            <a:r>
+              <a:rPr lang="en-US" sz="1000" b="0" dirty="0">
+                <a:solidFill>
+                  <a:srgbClr val="000000"/>
+                </a:solidFill>
+                <a:effectLst/>
+                <a:latin typeface="Menlo" panose="020B0609030804020204" pitchFamily="49" charset="0"/>
+              </a:rPr>
+              <a:t> </a:t>
+            </a:r>
+            <a:r>
+              <a:rPr lang="en-US" sz="1000" b="0" dirty="0">
+                <a:solidFill>
+                  <a:srgbClr val="AF00DB"/>
+                </a:solidFill>
+                <a:effectLst/>
+                <a:latin typeface="Menlo" panose="020B0609030804020204" pitchFamily="49" charset="0"/>
+              </a:rPr>
+              <a:t>in</a:t>
+            </a:r>
+            <a:r>
+              <a:rPr lang="en-US" sz="1000" b="0" dirty="0">
+                <a:solidFill>
+                  <a:srgbClr val="000000"/>
+                </a:solidFill>
+                <a:effectLst/>
+                <a:latin typeface="Menlo" panose="020B0609030804020204" pitchFamily="49" charset="0"/>
+              </a:rPr>
+              <a:t> </a:t>
+            </a:r>
+            <a:r>
+              <a:rPr lang="en-US" sz="1000" b="0" dirty="0">
+                <a:solidFill>
+                  <a:srgbClr val="795E26"/>
+                </a:solidFill>
+                <a:effectLst/>
+                <a:latin typeface="Menlo" panose="020B0609030804020204" pitchFamily="49" charset="0"/>
+              </a:rPr>
+              <a:t>range</a:t>
+            </a:r>
+            <a:r>
+              <a:rPr lang="en-US" sz="1000" b="0" dirty="0">
+                <a:solidFill>
+                  <a:srgbClr val="000000"/>
+                </a:solidFill>
+                <a:effectLst/>
+                <a:latin typeface="Menlo" panose="020B0609030804020204" pitchFamily="49" charset="0"/>
+              </a:rPr>
+              <a:t>(n):</a:t>
+            </a:r>
+          </a:p>
+          <a:p>
+            <a:r>
+              <a:rPr lang="en-US" sz="1000" b="0" dirty="0" err="1">
+                <a:solidFill>
+                  <a:srgbClr val="000000"/>
+                </a:solidFill>
+                <a:effectLst/>
+                <a:latin typeface="Menlo" panose="020B0609030804020204" pitchFamily="49" charset="0"/>
+              </a:rPr>
+              <a:t>ans</a:t>
+            </a:r>
+            <a:r>
+              <a:rPr lang="en-US" sz="1000" b="0" dirty="0">
+                <a:solidFill>
+                  <a:srgbClr val="000000"/>
+                </a:solidFill>
+                <a:effectLst/>
+                <a:latin typeface="Menlo" panose="020B0609030804020204" pitchFamily="49" charset="0"/>
+              </a:rPr>
+              <a:t> += </a:t>
+            </a:r>
+            <a:r>
+              <a:rPr lang="en-US" sz="1000" b="0" dirty="0">
+                <a:solidFill>
+                  <a:srgbClr val="795E26"/>
+                </a:solidFill>
+                <a:effectLst/>
+                <a:latin typeface="Menlo" panose="020B0609030804020204" pitchFamily="49" charset="0"/>
+              </a:rPr>
+              <a:t>min</a:t>
+            </a:r>
+            <a:r>
+              <a:rPr lang="en-US" sz="1000" b="0" dirty="0">
+                <a:solidFill>
+                  <a:srgbClr val="000000"/>
+                </a:solidFill>
+                <a:effectLst/>
+                <a:latin typeface="Menlo" panose="020B0609030804020204" pitchFamily="49" charset="0"/>
+              </a:rPr>
+              <a:t>(</a:t>
+            </a:r>
+            <a:r>
+              <a:rPr lang="en-US" sz="1000" b="0" dirty="0" err="1">
+                <a:solidFill>
+                  <a:srgbClr val="000000"/>
+                </a:solidFill>
+                <a:effectLst/>
+                <a:latin typeface="Menlo" panose="020B0609030804020204" pitchFamily="49" charset="0"/>
+              </a:rPr>
+              <a:t>pre_height</a:t>
+            </a:r>
+            <a:r>
+              <a:rPr lang="en-US" sz="1000" b="0" dirty="0">
+                <a:solidFill>
+                  <a:srgbClr val="000000"/>
+                </a:solidFill>
+                <a:effectLst/>
+                <a:latin typeface="Menlo" panose="020B0609030804020204" pitchFamily="49" charset="0"/>
+              </a:rPr>
+              <a:t>[</a:t>
+            </a:r>
+            <a:r>
+              <a:rPr lang="en-US" sz="1000" b="0" dirty="0" err="1">
+                <a:solidFill>
+                  <a:srgbClr val="000000"/>
+                </a:solidFill>
+                <a:effectLst/>
+                <a:latin typeface="Menlo" panose="020B0609030804020204" pitchFamily="49" charset="0"/>
+              </a:rPr>
+              <a:t>i</a:t>
+            </a:r>
+            <a:r>
+              <a:rPr lang="en-US" sz="1000" b="0" dirty="0">
+                <a:solidFill>
+                  <a:srgbClr val="000000"/>
+                </a:solidFill>
+                <a:effectLst/>
+                <a:latin typeface="Menlo" panose="020B0609030804020204" pitchFamily="49" charset="0"/>
+              </a:rPr>
+              <a:t>], </a:t>
+            </a:r>
+            <a:r>
+              <a:rPr lang="en-US" sz="1000" b="0" dirty="0" err="1">
+                <a:solidFill>
+                  <a:srgbClr val="000000"/>
+                </a:solidFill>
+                <a:effectLst/>
+                <a:latin typeface="Menlo" panose="020B0609030804020204" pitchFamily="49" charset="0"/>
+              </a:rPr>
+              <a:t>suf_height</a:t>
+            </a:r>
+            <a:r>
+              <a:rPr lang="en-US" sz="1000" b="0" dirty="0">
+                <a:solidFill>
+                  <a:srgbClr val="000000"/>
+                </a:solidFill>
+                <a:effectLst/>
+                <a:latin typeface="Menlo" panose="020B0609030804020204" pitchFamily="49" charset="0"/>
+              </a:rPr>
+              <a:t>[</a:t>
+            </a:r>
+            <a:r>
+              <a:rPr lang="en-US" sz="1000" b="0" dirty="0" err="1">
+                <a:solidFill>
+                  <a:srgbClr val="000000"/>
+                </a:solidFill>
+                <a:effectLst/>
+                <a:latin typeface="Menlo" panose="020B0609030804020204" pitchFamily="49" charset="0"/>
+              </a:rPr>
+              <a:t>i</a:t>
+            </a:r>
+            <a:r>
+              <a:rPr lang="en-US" sz="1000" b="0" dirty="0">
+                <a:solidFill>
+                  <a:srgbClr val="000000"/>
+                </a:solidFill>
+                <a:effectLst/>
+                <a:latin typeface="Menlo" panose="020B0609030804020204" pitchFamily="49" charset="0"/>
+              </a:rPr>
+              <a:t>]) - height[</a:t>
+            </a:r>
+            <a:r>
+              <a:rPr lang="en-US" sz="1000" b="0" dirty="0" err="1">
+                <a:solidFill>
+                  <a:srgbClr val="000000"/>
+                </a:solidFill>
+                <a:effectLst/>
+                <a:latin typeface="Menlo" panose="020B0609030804020204" pitchFamily="49" charset="0"/>
+              </a:rPr>
+              <a:t>i</a:t>
+            </a:r>
+            <a:r>
+              <a:rPr lang="en-US" sz="1000" b="0" dirty="0">
+                <a:solidFill>
+                  <a:srgbClr val="000000"/>
+                </a:solidFill>
+                <a:effectLst/>
+                <a:latin typeface="Menlo" panose="020B0609030804020204" pitchFamily="49" charset="0"/>
+              </a:rPr>
+              <a:t>]</a:t>
+            </a:r>
+          </a:p>
+          <a:p>
+            <a:r>
+              <a:rPr lang="en-US" sz="1000" b="0" dirty="0">
+                <a:solidFill>
+                  <a:srgbClr val="AF00DB"/>
+                </a:solidFill>
+                <a:effectLst/>
+                <a:latin typeface="Menlo" panose="020B0609030804020204" pitchFamily="49" charset="0"/>
+              </a:rPr>
+              <a:t>return</a:t>
+            </a:r>
+            <a:r>
+              <a:rPr lang="en-US" sz="1000" b="0" dirty="0">
+                <a:solidFill>
+                  <a:srgbClr val="000000"/>
+                </a:solidFill>
+                <a:effectLst/>
+                <a:latin typeface="Menlo" panose="020B0609030804020204" pitchFamily="49" charset="0"/>
+              </a:rPr>
+              <a:t> </a:t>
+            </a:r>
+            <a:r>
+              <a:rPr lang="en-US" sz="1000" b="0" dirty="0" err="1">
+                <a:solidFill>
+                  <a:srgbClr val="000000"/>
+                </a:solidFill>
+                <a:effectLst/>
+                <a:latin typeface="Menlo" panose="020B0609030804020204" pitchFamily="49" charset="0"/>
+              </a:rPr>
+              <a:t>ans</a:t>
+            </a:r>
+            <a:endParaRPr lang="en-US" sz="1000" b="0" dirty="0">
+              <a:solidFill>
+                <a:srgbClr val="000000"/>
+              </a:solidFill>
+              <a:effectLst/>
+              <a:latin typeface="Menlo" panose="020B0609030804020204" pitchFamily="49" charset="0"/>
+            </a:endParaRPr>
+          </a:p>
+        </p:txBody>
+      </p:sp>
+      <p:sp>
+        <p:nvSpPr>
+          <p:cNvPr id="10" name="Rectangle 9">
+            <a:extLst>
+              <a:ext uri="{FF2B5EF4-FFF2-40B4-BE49-F238E27FC236}">
+                <a16:creationId xmlns:a16="http://schemas.microsoft.com/office/drawing/2014/main" id="{37740B6E-E4B2-D492-7A94-51DA9B9299DE}"/>
+              </a:ext>
+            </a:extLst>
+          </p:cNvPr>
+          <p:cNvSpPr/>
+          <p:nvPr/>
+        </p:nvSpPr>
+        <p:spPr>
+          <a:xfrm>
+            <a:off x="4442178" y="0"/>
+            <a:ext cx="7326489" cy="2751207"/>
+          </a:xfrm>
+          <a:prstGeom prst="rect">
+            <a:avLst/>
+          </a:prstGeom>
+        </p:spPr>
+        <p:style>
+          <a:lnRef idx="2">
+            <a:schemeClr val="accent1">
+              <a:shade val="15000"/>
+            </a:schemeClr>
+          </a:lnRef>
+          <a:fillRef idx="1">
+            <a:schemeClr val="accent1"/>
+          </a:fillRef>
+          <a:effectRef idx="0">
+            <a:schemeClr val="accent1"/>
+          </a:effectRef>
+          <a:fontRef idx="minor">
+            <a:schemeClr val="lt1"/>
+          </a:fontRef>
+        </p:style>
+        <p:txBody>
+          <a:bodyPr rtlCol="0" anchor="t"/>
+          <a:lstStyle/>
+          <a:p>
+            <a:r>
+              <a:rPr lang="en-US" altLang="zh-CN" b="1" dirty="0"/>
+              <a:t>Pre-max</a:t>
+            </a:r>
+            <a:r>
+              <a:rPr lang="zh-CN" altLang="en-US" b="1" dirty="0"/>
+              <a:t> 和</a:t>
+            </a:r>
+            <a:r>
+              <a:rPr lang="en-US" altLang="zh-CN" b="1" dirty="0" err="1"/>
+              <a:t>Suf_max</a:t>
+            </a:r>
+            <a:r>
+              <a:rPr lang="zh-CN" altLang="en-US" b="1" dirty="0"/>
+              <a:t>分别为前序和后续，遍历求出不同梯度的最大高度</a:t>
+            </a:r>
+            <a:endParaRPr lang="en-US" altLang="zh-CN" b="1" dirty="0"/>
+          </a:p>
+          <a:p>
+            <a:r>
+              <a:rPr lang="zh-CN" altLang="en-US" b="1" dirty="0"/>
+              <a:t>在</a:t>
+            </a:r>
+            <a:r>
+              <a:rPr lang="en-US" altLang="zh-CN" b="1" dirty="0"/>
+              <a:t>Pre-max</a:t>
+            </a:r>
+            <a:r>
+              <a:rPr lang="zh-CN" altLang="en-US" b="1" dirty="0"/>
+              <a:t> 和</a:t>
+            </a:r>
+            <a:r>
+              <a:rPr lang="en-US" altLang="zh-CN" b="1" dirty="0" err="1"/>
+              <a:t>Suf_max</a:t>
+            </a:r>
+            <a:r>
+              <a:rPr lang="zh-CN" altLang="en-US" b="1" dirty="0"/>
+              <a:t>中取最小值，并与</a:t>
+            </a:r>
+            <a:r>
+              <a:rPr lang="en-US" altLang="zh-CN" b="1" dirty="0"/>
+              <a:t>height</a:t>
+            </a:r>
+            <a:r>
+              <a:rPr lang="zh-CN" altLang="en-US" b="1" dirty="0"/>
+              <a:t>进行计算</a:t>
+            </a:r>
+            <a:endParaRPr lang="en-US" altLang="zh-CN" b="1" dirty="0"/>
+          </a:p>
+        </p:txBody>
+      </p:sp>
+    </p:spTree>
+    <p:extLst>
+      <p:ext uri="{BB962C8B-B14F-4D97-AF65-F5344CB8AC3E}">
+        <p14:creationId xmlns:p14="http://schemas.microsoft.com/office/powerpoint/2010/main" val="3140252920"/>
       </p:ext>
     </p:extLst>
   </p:cSld>
